--- a/2. Spring 5.0/Day 5/Slides/5. Testing/testing-slides.pptx
+++ b/2. Spring 5.0/Day 5/Slides/5. Testing/testing-slides.pptx
@@ -12728,8 +12728,8 @@
         </p:nvSpPr>
         <p:spPr>
           <a:xfrm>
-            <a:off x="13411200" y="5372100"/>
-            <a:ext cx="1720214" cy="991870"/>
+            <a:off x="13002260" y="5372100"/>
+            <a:ext cx="3194685" cy="991870"/>
           </a:xfrm>
           <a:prstGeom prst="rect">
             <a:avLst/>
@@ -12750,11 +12750,18 @@
               </a:spcBef>
             </a:pPr>
             <a:r>
+              <a:rPr lang="en-US" sz="3200" spc="65" dirty="0">
+                <a:latin typeface="Verdana" panose="020B0604030504040204"/>
+                <a:cs typeface="Verdana" panose="020B0604030504040204"/>
+              </a:rPr>
+              <a:t>Postgres</a:t>
+            </a:r>
+            <a:r>
               <a:rPr sz="3200" spc="65" dirty="0">
                 <a:latin typeface="Verdana" panose="020B0604030504040204"/>
                 <a:cs typeface="Verdana" panose="020B0604030504040204"/>
               </a:rPr>
-              <a:t>MySQL</a:t>
+              <a:t>SQL</a:t>
             </a:r>
             <a:endParaRPr sz="3200">
               <a:latin typeface="Verdana" panose="020B0604030504040204"/>
